--- a/Team Heptagon.pptx
+++ b/Team Heptagon.pptx
@@ -108,6 +108,11 @@
       </a:defRPr>
     </a:lvl9pPr>
   </p:defaultTextStyle>
+  <p:extLst>
+    <p:ext uri="{EFAFB233-063F-42B5-8137-9DF3F51BA10A}">
+      <p15:sldGuideLst xmlns:p15="http://schemas.microsoft.com/office/powerpoint/2012/main"/>
+    </p:ext>
+  </p:extLst>
 </p:presentation>
 </file>
 
@@ -4057,6 +4062,14 @@
 <file path=ppt/slides/slide3.xml><?xml version="1.0" encoding="utf-8"?>
 <p:sld xmlns:a="http://schemas.openxmlformats.org/drawingml/2006/main" xmlns:r="http://schemas.openxmlformats.org/officeDocument/2006/relationships" xmlns:p="http://schemas.openxmlformats.org/presentationml/2006/main">
   <p:cSld>
+    <p:bg>
+      <p:bgPr>
+        <a:solidFill>
+          <a:schemeClr val="bg1"/>
+        </a:solidFill>
+        <a:effectLst/>
+      </p:bgPr>
+    </p:bg>
     <p:spTree>
       <p:nvGrpSpPr>
         <p:cNvPr id="1" name=""/>
@@ -4073,122 +4086,115 @@
       </p:grpSpPr>
       <p:sp>
         <p:nvSpPr>
-          <p:cNvPr id="2" name="Title 1">
-            <a:extLst>
-              <a:ext uri="{FF2B5EF4-FFF2-40B4-BE49-F238E27FC236}">
-                <a16:creationId xmlns:a16="http://schemas.microsoft.com/office/drawing/2014/main" id="{A9C86094-0041-48DA-A9AD-229ED9CD91FB}"/>
-              </a:ext>
-            </a:extLst>
-          </p:cNvPr>
-          <p:cNvSpPr>
-            <a:spLocks noGrp="1"/>
-          </p:cNvSpPr>
-          <p:nvPr>
-            <p:ph type="title"/>
-          </p:nvPr>
-        </p:nvSpPr>
-        <p:spPr/>
-        <p:txBody>
-          <a:bodyPr/>
-          <a:lstStyle/>
-          <a:p>
-            <a:pPr algn="ctr"/>
-            <a:r>
-              <a:rPr lang="en-US" b="1" dirty="0"/>
-              <a:t>Objective</a:t>
-            </a:r>
-          </a:p>
-        </p:txBody>
-      </p:sp>
-      <p:sp>
-        <p:nvSpPr>
-          <p:cNvPr id="3" name="Content Placeholder 2">
-            <a:extLst>
-              <a:ext uri="{FF2B5EF4-FFF2-40B4-BE49-F238E27FC236}">
-                <a16:creationId xmlns:a16="http://schemas.microsoft.com/office/drawing/2014/main" id="{6A775542-ECD6-4700-9E7A-05CB9EA8608C}"/>
-              </a:ext>
-            </a:extLst>
-          </p:cNvPr>
-          <p:cNvSpPr>
-            <a:spLocks noGrp="1"/>
-          </p:cNvSpPr>
-          <p:nvPr>
-            <p:ph idx="1"/>
+          <p:cNvPr id="10" name="Rectangle 9">
+            <a:extLst>
+              <a:ext uri="{FF2B5EF4-FFF2-40B4-BE49-F238E27FC236}">
+                <a16:creationId xmlns:a16="http://schemas.microsoft.com/office/drawing/2014/main" id="{F56F5174-31D9-4DBB-AAB7-A1FD7BDB1352}"/>
+              </a:ext>
+              <a:ext uri="{C183D7F6-B498-43B3-948B-1728B52AA6E4}">
+                <adec:decorative xmlns:adec="http://schemas.microsoft.com/office/drawing/2017/decorative" val="1"/>
+              </a:ext>
+            </a:extLst>
+          </p:cNvPr>
+          <p:cNvSpPr>
+            <a:spLocks noGrp="1" noRot="1" noChangeAspect="1" noMove="1" noResize="1" noEditPoints="1" noAdjustHandles="1" noChangeArrowheads="1" noChangeShapeType="1" noTextEdit="1"/>
+          </p:cNvSpPr>
+          <p:nvPr>
+            <p:extLst>
+              <p:ext uri="{386F3935-93C4-4BCD-93E2-E3B085C9AB24}">
+                <p16:designElem xmlns:p16="http://schemas.microsoft.com/office/powerpoint/2015/main" val="1"/>
+              </p:ext>
+            </p:extLst>
           </p:nvPr>
         </p:nvSpPr>
         <p:spPr>
           <a:xfrm>
-            <a:off x="838200" y="1253331"/>
-            <a:ext cx="10515600" cy="4351338"/>
+            <a:off x="1" y="0"/>
+            <a:ext cx="5614875" cy="6858000"/>
           </a:xfrm>
+          <a:prstGeom prst="rect">
+            <a:avLst/>
+          </a:prstGeom>
+          <a:gradFill>
+            <a:gsLst>
+              <a:gs pos="0">
+                <a:schemeClr val="accent1">
+                  <a:lumMod val="100000"/>
+                  <a:alpha val="82000"/>
+                </a:schemeClr>
+              </a:gs>
+              <a:gs pos="25000">
+                <a:schemeClr val="accent1">
+                  <a:alpha val="60000"/>
+                </a:schemeClr>
+              </a:gs>
+              <a:gs pos="94000">
+                <a:schemeClr val="bg2">
+                  <a:lumMod val="75000"/>
+                </a:schemeClr>
+              </a:gs>
+              <a:gs pos="100000">
+                <a:schemeClr val="bg2">
+                  <a:lumMod val="75000"/>
+                </a:schemeClr>
+              </a:gs>
+            </a:gsLst>
+            <a:lin ang="4200000" scaled="0"/>
+          </a:gradFill>
+          <a:ln>
+            <a:noFill/>
+          </a:ln>
         </p:spPr>
-        <p:txBody>
-          <a:bodyPr/>
-          <a:lstStyle/>
-          <a:p>
-            <a:r>
-              <a:rPr lang="en-US" dirty="0"/>
-              <a:t>To understand the change in popularity in genres throughout the years beginning with two </a:t>
-            </a:r>
-            <a:r>
-              <a:rPr lang="en-US" dirty="0" err="1"/>
-              <a:t>kaggle</a:t>
-            </a:r>
-            <a:r>
-              <a:rPr lang="en-US" dirty="0"/>
-              <a:t> sets, which include a data set from Pitchfork and another dataset from Spotify.</a:t>
-            </a:r>
-          </a:p>
-          <a:p>
-            <a:endParaRPr lang="en-US" dirty="0"/>
-          </a:p>
-          <a:p>
-            <a:r>
-              <a:rPr lang="en-US" sz="2000" dirty="0"/>
-              <a:t>Spotify Kaggle dataset: </a:t>
-            </a:r>
-            <a:r>
-              <a:rPr lang="en-US" sz="2000" dirty="0">
-                <a:hlinkClick r:id="rId2"/>
-              </a:rPr>
-              <a:t>https://www.kaggle.com/yamaerenay/spotify-dataset-19212020-160k-tracks</a:t>
-            </a:r>
-            <a:endParaRPr lang="en-US" sz="2000" dirty="0"/>
-          </a:p>
-          <a:p>
-            <a:r>
-              <a:rPr lang="en-US" sz="2000" dirty="0"/>
-              <a:t>Pitchfork Kaggle dataset: </a:t>
-            </a:r>
-            <a:r>
-              <a:rPr lang="en-US" sz="2000" dirty="0">
-                <a:hlinkClick r:id="rId3"/>
-              </a:rPr>
-              <a:t>https://www.kaggle.com/nolanbconaway/pitchfork-data</a:t>
-            </a:r>
-            <a:endParaRPr lang="en-US" sz="2000" dirty="0"/>
-          </a:p>
-          <a:p>
-            <a:endParaRPr lang="en-US" dirty="0"/>
+        <p:style>
+          <a:lnRef idx="2">
+            <a:schemeClr val="accent1">
+              <a:shade val="50000"/>
+            </a:schemeClr>
+          </a:lnRef>
+          <a:fillRef idx="1">
+            <a:schemeClr val="accent1"/>
+          </a:fillRef>
+          <a:effectRef idx="0">
+            <a:schemeClr val="accent1"/>
+          </a:effectRef>
+          <a:fontRef idx="minor">
+            <a:schemeClr val="lt1"/>
+          </a:fontRef>
+        </p:style>
+        <p:txBody>
+          <a:bodyPr rtlCol="0" anchor="ctr"/>
+          <a:lstStyle/>
+          <a:p>
+            <a:pPr algn="ctr"/>
+            <a:endParaRPr lang="en-US"/>
           </a:p>
         </p:txBody>
       </p:sp>
       <p:pic>
         <p:nvPicPr>
-          <p:cNvPr id="5" name="Picture 4" descr="A close up of a device&#10;&#10;Description automatically generated">
-            <a:extLst>
-              <a:ext uri="{FF2B5EF4-FFF2-40B4-BE49-F238E27FC236}">
-                <a16:creationId xmlns:a16="http://schemas.microsoft.com/office/drawing/2014/main" id="{EFF25198-E921-4FE5-90DC-1B79ED45DE7E}"/>
+          <p:cNvPr id="12" name="Picture 11">
+            <a:extLst>
+              <a:ext uri="{FF2B5EF4-FFF2-40B4-BE49-F238E27FC236}">
+                <a16:creationId xmlns:a16="http://schemas.microsoft.com/office/drawing/2014/main" id="{AE113210-7872-481A-ADE6-3A05CCAF5EB2}"/>
+              </a:ext>
+              <a:ext uri="{C183D7F6-B498-43B3-948B-1728B52AA6E4}">
+                <adec:decorative xmlns:adec="http://schemas.microsoft.com/office/drawing/2017/decorative" val="1"/>
               </a:ext>
             </a:extLst>
           </p:cNvPr>
           <p:cNvPicPr>
-            <a:picLocks noChangeAspect="1"/>
+            <a:picLocks noGrp="1" noRot="1" noChangeAspect="1" noMove="1" noResize="1" noEditPoints="1" noAdjustHandles="1" noChangeArrowheads="1" noChangeShapeType="1" noCrop="1"/>
           </p:cNvPicPr>
-          <p:nvPr/>
+          <p:nvPr>
+            <p:extLst>
+              <p:ext uri="{386F3935-93C4-4BCD-93E2-E3B085C9AB24}">
+                <p16:designElem xmlns:p16="http://schemas.microsoft.com/office/powerpoint/2015/main" val="1"/>
+              </p:ext>
+            </p:extLst>
+          </p:nvPr>
         </p:nvPicPr>
         <p:blipFill>
-          <a:blip r:embed="rId4">
+          <a:blip r:embed="rId2">
             <a:extLst>
               <a:ext uri="{28A0092B-C50C-407E-A947-70E740481C1C}">
                 <a14:useLocalDpi xmlns:a14="http://schemas.microsoft.com/office/drawing/2010/main" val="0"/>
@@ -4201,14 +4207,382 @@
         </p:blipFill>
         <p:spPr>
           <a:xfrm>
-            <a:off x="6949439" y="4181084"/>
-            <a:ext cx="4623582" cy="2311791"/>
+            <a:off x="0" y="0"/>
+            <a:ext cx="12192000" cy="6858000"/>
           </a:xfrm>
           <a:prstGeom prst="rect">
             <a:avLst/>
           </a:prstGeom>
         </p:spPr>
       </p:pic>
+      <p:sp>
+        <p:nvSpPr>
+          <p:cNvPr id="2" name="Title 1">
+            <a:extLst>
+              <a:ext uri="{FF2B5EF4-FFF2-40B4-BE49-F238E27FC236}">
+                <a16:creationId xmlns:a16="http://schemas.microsoft.com/office/drawing/2014/main" id="{A9C86094-0041-48DA-A9AD-229ED9CD91FB}"/>
+              </a:ext>
+            </a:extLst>
+          </p:cNvPr>
+          <p:cNvSpPr>
+            <a:spLocks noGrp="1"/>
+          </p:cNvSpPr>
+          <p:nvPr>
+            <p:ph type="title"/>
+          </p:nvPr>
+        </p:nvSpPr>
+        <p:spPr>
+          <a:xfrm>
+            <a:off x="6094105" y="802955"/>
+            <a:ext cx="4977976" cy="1454051"/>
+          </a:xfrm>
+        </p:spPr>
+        <p:txBody>
+          <a:bodyPr>
+            <a:normAutofit/>
+          </a:bodyPr>
+          <a:lstStyle/>
+          <a:p>
+            <a:r>
+              <a:rPr lang="en-US" b="1">
+                <a:solidFill>
+                  <a:srgbClr val="000000"/>
+                </a:solidFill>
+              </a:rPr>
+              <a:t>Objective</a:t>
+            </a:r>
+          </a:p>
+        </p:txBody>
+      </p:sp>
+      <p:sp>
+        <p:nvSpPr>
+          <p:cNvPr id="14" name="Freeform 62">
+            <a:extLst>
+              <a:ext uri="{FF2B5EF4-FFF2-40B4-BE49-F238E27FC236}">
+                <a16:creationId xmlns:a16="http://schemas.microsoft.com/office/drawing/2014/main" id="{F9A95BEE-6BB1-4A28-A8E6-A34B2E42EF87}"/>
+              </a:ext>
+              <a:ext uri="{C183D7F6-B498-43B3-948B-1728B52AA6E4}">
+                <adec:decorative xmlns:adec="http://schemas.microsoft.com/office/drawing/2017/decorative" val="1"/>
+              </a:ext>
+            </a:extLst>
+          </p:cNvPr>
+          <p:cNvSpPr>
+            <a:spLocks noGrp="1" noRot="1" noChangeAspect="1" noMove="1" noResize="1" noEditPoints="1" noAdjustHandles="1" noChangeArrowheads="1" noChangeShapeType="1" noTextEdit="1"/>
+          </p:cNvSpPr>
+          <p:nvPr>
+            <p:extLst>
+              <p:ext uri="{386F3935-93C4-4BCD-93E2-E3B085C9AB24}">
+                <p16:designElem xmlns:p16="http://schemas.microsoft.com/office/powerpoint/2015/main" val="1"/>
+              </p:ext>
+            </p:extLst>
+          </p:nvPr>
+        </p:nvSpPr>
+        <p:spPr>
+          <a:xfrm>
+            <a:off x="0" y="738619"/>
+            <a:ext cx="5000438" cy="5400962"/>
+          </a:xfrm>
+          <a:custGeom>
+            <a:avLst/>
+            <a:gdLst>
+              <a:gd name="connsiteX0" fmla="*/ 2299956 w 5000438"/>
+              <a:gd name="connsiteY0" fmla="*/ 0 h 5400962"/>
+              <a:gd name="connsiteX1" fmla="*/ 5000438 w 5000438"/>
+              <a:gd name="connsiteY1" fmla="*/ 2700481 h 5400962"/>
+              <a:gd name="connsiteX2" fmla="*/ 2299956 w 5000438"/>
+              <a:gd name="connsiteY2" fmla="*/ 5400962 h 5400962"/>
+              <a:gd name="connsiteX3" fmla="*/ 60675 w 5000438"/>
+              <a:gd name="connsiteY3" fmla="*/ 4210346 h 5400962"/>
+              <a:gd name="connsiteX4" fmla="*/ 0 w 5000438"/>
+              <a:gd name="connsiteY4" fmla="*/ 4110472 h 5400962"/>
+              <a:gd name="connsiteX5" fmla="*/ 0 w 5000438"/>
+              <a:gd name="connsiteY5" fmla="*/ 1290491 h 5400962"/>
+              <a:gd name="connsiteX6" fmla="*/ 60675 w 5000438"/>
+              <a:gd name="connsiteY6" fmla="*/ 1190617 h 5400962"/>
+              <a:gd name="connsiteX7" fmla="*/ 2299956 w 5000438"/>
+              <a:gd name="connsiteY7" fmla="*/ 0 h 5400962"/>
+            </a:gdLst>
+            <a:ahLst/>
+            <a:cxnLst>
+              <a:cxn ang="0">
+                <a:pos x="connsiteX0" y="connsiteY0"/>
+              </a:cxn>
+              <a:cxn ang="0">
+                <a:pos x="connsiteX1" y="connsiteY1"/>
+              </a:cxn>
+              <a:cxn ang="0">
+                <a:pos x="connsiteX2" y="connsiteY2"/>
+              </a:cxn>
+              <a:cxn ang="0">
+                <a:pos x="connsiteX3" y="connsiteY3"/>
+              </a:cxn>
+              <a:cxn ang="0">
+                <a:pos x="connsiteX4" y="connsiteY4"/>
+              </a:cxn>
+              <a:cxn ang="0">
+                <a:pos x="connsiteX5" y="connsiteY5"/>
+              </a:cxn>
+              <a:cxn ang="0">
+                <a:pos x="connsiteX6" y="connsiteY6"/>
+              </a:cxn>
+              <a:cxn ang="0">
+                <a:pos x="connsiteX7" y="connsiteY7"/>
+              </a:cxn>
+            </a:cxnLst>
+            <a:rect l="l" t="t" r="r" b="b"/>
+            <a:pathLst>
+              <a:path w="5000438" h="5400962">
+                <a:moveTo>
+                  <a:pt x="2299956" y="0"/>
+                </a:moveTo>
+                <a:cubicBezTo>
+                  <a:pt x="3791390" y="0"/>
+                  <a:pt x="5000438" y="1209047"/>
+                  <a:pt x="5000438" y="2700481"/>
+                </a:cubicBezTo>
+                <a:cubicBezTo>
+                  <a:pt x="5000438" y="4191915"/>
+                  <a:pt x="3791390" y="5400962"/>
+                  <a:pt x="2299956" y="5400962"/>
+                </a:cubicBezTo>
+                <a:cubicBezTo>
+                  <a:pt x="1367810" y="5400962"/>
+                  <a:pt x="545971" y="4928678"/>
+                  <a:pt x="60675" y="4210346"/>
+                </a:cubicBezTo>
+                <a:lnTo>
+                  <a:pt x="0" y="4110472"/>
+                </a:lnTo>
+                <a:lnTo>
+                  <a:pt x="0" y="1290491"/>
+                </a:lnTo>
+                <a:lnTo>
+                  <a:pt x="60675" y="1190617"/>
+                </a:lnTo>
+                <a:cubicBezTo>
+                  <a:pt x="545971" y="472284"/>
+                  <a:pt x="1367810" y="0"/>
+                  <a:pt x="2299956" y="0"/>
+                </a:cubicBezTo>
+                <a:close/>
+              </a:path>
+            </a:pathLst>
+          </a:custGeom>
+          <a:solidFill>
+            <a:srgbClr val="FFFFFF"/>
+          </a:solidFill>
+          <a:ln>
+            <a:noFill/>
+          </a:ln>
+        </p:spPr>
+        <p:style>
+          <a:lnRef idx="2">
+            <a:schemeClr val="accent1">
+              <a:shade val="50000"/>
+            </a:schemeClr>
+          </a:lnRef>
+          <a:fillRef idx="1">
+            <a:schemeClr val="accent1"/>
+          </a:fillRef>
+          <a:effectRef idx="0">
+            <a:schemeClr val="accent1"/>
+          </a:effectRef>
+          <a:fontRef idx="minor">
+            <a:schemeClr val="lt1"/>
+          </a:fontRef>
+        </p:style>
+        <p:txBody>
+          <a:bodyPr wrap="square" rtlCol="0" anchor="ctr">
+            <a:noAutofit/>
+          </a:bodyPr>
+          <a:lstStyle/>
+          <a:p>
+            <a:pPr algn="ctr"/>
+            <a:endParaRPr lang="en-US"/>
+          </a:p>
+        </p:txBody>
+      </p:sp>
+      <p:pic>
+        <p:nvPicPr>
+          <p:cNvPr id="5" name="Picture 4" descr="A close up of a device&#10;&#10;Description automatically generated">
+            <a:extLst>
+              <a:ext uri="{FF2B5EF4-FFF2-40B4-BE49-F238E27FC236}">
+                <a16:creationId xmlns:a16="http://schemas.microsoft.com/office/drawing/2014/main" id="{EFF25198-E921-4FE5-90DC-1B79ED45DE7E}"/>
+              </a:ext>
+            </a:extLst>
+          </p:cNvPr>
+          <p:cNvPicPr>
+            <a:picLocks noChangeAspect="1"/>
+          </p:cNvPicPr>
+          <p:nvPr/>
+        </p:nvPicPr>
+        <p:blipFill rotWithShape="1">
+          <a:blip r:embed="rId3">
+            <a:alphaModFix/>
+            <a:extLst>
+              <a:ext uri="{28A0092B-C50C-407E-A947-70E740481C1C}">
+                <a14:useLocalDpi xmlns:a14="http://schemas.microsoft.com/office/drawing/2010/main" val="0"/>
+              </a:ext>
+            </a:extLst>
+          </a:blip>
+          <a:srcRect l="27169" r="25060" b="1"/>
+          <a:stretch/>
+        </p:blipFill>
+        <p:spPr>
+          <a:xfrm>
+            <a:off x="20" y="907231"/>
+            <a:ext cx="4838021" cy="5063738"/>
+          </a:xfrm>
+          <a:custGeom>
+            <a:avLst/>
+            <a:gdLst/>
+            <a:ahLst/>
+            <a:cxnLst/>
+            <a:rect l="l" t="t" r="r" b="b"/>
+            <a:pathLst>
+              <a:path w="4838041" h="5063738">
+                <a:moveTo>
+                  <a:pt x="2306172" y="0"/>
+                </a:moveTo>
+                <a:cubicBezTo>
+                  <a:pt x="3704485" y="0"/>
+                  <a:pt x="4838041" y="1133556"/>
+                  <a:pt x="4838041" y="2531869"/>
+                </a:cubicBezTo>
+                <a:cubicBezTo>
+                  <a:pt x="4838041" y="3930182"/>
+                  <a:pt x="3704485" y="5063738"/>
+                  <a:pt x="2306172" y="5063738"/>
+                </a:cubicBezTo>
+                <a:cubicBezTo>
+                  <a:pt x="1344832" y="5063738"/>
+                  <a:pt x="508631" y="4527956"/>
+                  <a:pt x="79886" y="3738709"/>
+                </a:cubicBezTo>
+                <a:lnTo>
+                  <a:pt x="0" y="3572876"/>
+                </a:lnTo>
+                <a:lnTo>
+                  <a:pt x="0" y="1490863"/>
+                </a:lnTo>
+                <a:lnTo>
+                  <a:pt x="79886" y="1325030"/>
+                </a:lnTo>
+                <a:cubicBezTo>
+                  <a:pt x="508631" y="535783"/>
+                  <a:pt x="1344832" y="0"/>
+                  <a:pt x="2306172" y="0"/>
+                </a:cubicBezTo>
+                <a:close/>
+              </a:path>
+            </a:pathLst>
+          </a:custGeom>
+          <a:effectLst>
+            <a:softEdge rad="0"/>
+          </a:effectLst>
+        </p:spPr>
+      </p:pic>
+      <p:sp>
+        <p:nvSpPr>
+          <p:cNvPr id="3" name="Content Placeholder 2">
+            <a:extLst>
+              <a:ext uri="{FF2B5EF4-FFF2-40B4-BE49-F238E27FC236}">
+                <a16:creationId xmlns:a16="http://schemas.microsoft.com/office/drawing/2014/main" id="{6A775542-ECD6-4700-9E7A-05CB9EA8608C}"/>
+              </a:ext>
+            </a:extLst>
+          </p:cNvPr>
+          <p:cNvSpPr>
+            <a:spLocks noGrp="1"/>
+          </p:cNvSpPr>
+          <p:nvPr>
+            <p:ph idx="1"/>
+          </p:nvPr>
+        </p:nvSpPr>
+        <p:spPr>
+          <a:xfrm>
+            <a:off x="6090574" y="2421682"/>
+            <a:ext cx="4977578" cy="3639289"/>
+          </a:xfrm>
+        </p:spPr>
+        <p:txBody>
+          <a:bodyPr anchor="ctr">
+            <a:normAutofit/>
+          </a:bodyPr>
+          <a:lstStyle/>
+          <a:p>
+            <a:r>
+              <a:rPr lang="en-US" sz="1900">
+                <a:solidFill>
+                  <a:srgbClr val="000000"/>
+                </a:solidFill>
+              </a:rPr>
+              <a:t>To understand the change in popularity in genres throughout the years beginning with two kaggle sets, which include a data set from Pitchfork and another dataset from Spotify.</a:t>
+            </a:r>
+          </a:p>
+          <a:p>
+            <a:endParaRPr lang="en-US" sz="1900">
+              <a:solidFill>
+                <a:srgbClr val="000000"/>
+              </a:solidFill>
+            </a:endParaRPr>
+          </a:p>
+          <a:p>
+            <a:r>
+              <a:rPr lang="en-US" sz="1900">
+                <a:solidFill>
+                  <a:srgbClr val="000000"/>
+                </a:solidFill>
+              </a:rPr>
+              <a:t>Spotify Kaggle dataset: </a:t>
+            </a:r>
+            <a:r>
+              <a:rPr lang="en-US" sz="1900">
+                <a:solidFill>
+                  <a:srgbClr val="000000"/>
+                </a:solidFill>
+                <a:hlinkClick r:id="rId4"/>
+              </a:rPr>
+              <a:t>https://www.kaggle.com/yamaerenay/spotify-dataset-19212020-160k-tracks</a:t>
+            </a:r>
+            <a:endParaRPr lang="en-US" sz="1900">
+              <a:solidFill>
+                <a:srgbClr val="000000"/>
+              </a:solidFill>
+            </a:endParaRPr>
+          </a:p>
+          <a:p>
+            <a:r>
+              <a:rPr lang="en-US" sz="1900">
+                <a:solidFill>
+                  <a:srgbClr val="000000"/>
+                </a:solidFill>
+              </a:rPr>
+              <a:t>Pitchfork Kaggle dataset: </a:t>
+            </a:r>
+            <a:r>
+              <a:rPr lang="en-US" sz="1900">
+                <a:solidFill>
+                  <a:srgbClr val="000000"/>
+                </a:solidFill>
+                <a:hlinkClick r:id="rId5"/>
+              </a:rPr>
+              <a:t>https://www.kaggle.com/nolanbconaway/pitchfork-data</a:t>
+            </a:r>
+            <a:endParaRPr lang="en-US" sz="1900">
+              <a:solidFill>
+                <a:srgbClr val="000000"/>
+              </a:solidFill>
+            </a:endParaRPr>
+          </a:p>
+          <a:p>
+            <a:endParaRPr lang="en-US" sz="1900">
+              <a:solidFill>
+                <a:srgbClr val="000000"/>
+              </a:solidFill>
+            </a:endParaRPr>
+          </a:p>
+        </p:txBody>
+      </p:sp>
     </p:spTree>
     <p:extLst>
       <p:ext uri="{BB962C8B-B14F-4D97-AF65-F5344CB8AC3E}">
